--- a/Bootstrap 5.pptx
+++ b/Bootstrap 5.pptx
@@ -23703,7 +23703,7 @@
             <a:pPr rtl="0"/>
             <a:r>
               <a:rPr lang="es-ES" dirty="0"/>
-              <a:t>Los componentes de Bootstrap son elementos listos para usar que facilitan la creación de interfaces. Ejemplo de botón: </a:t>
+              <a:t>Los componentes de Bootstrap son elementos listos para usar que facilitan la creación de interfaces. Ejemplo: </a:t>
             </a:r>
           </a:p>
         </p:txBody>
@@ -29424,7 +29424,7 @@
             <a:pPr rtl="0"/>
             <a:r>
               <a:rPr lang="es-ES" dirty="0"/>
-              <a:t>Sí, Bootstrap ofrece un componente de carga de archivos. </a:t>
+              <a:t>Bootstrap ofrece un componente de carga de archivos. </a:t>
             </a:r>
           </a:p>
           <a:p>
@@ -37524,15 +37524,6 @@
 </file>
 
 <file path=customXml/item1.xml><?xml version="1.0" encoding="utf-8"?>
-<?mso-contentType ?>
-<FormTemplates xmlns="http://schemas.microsoft.com/sharepoint/v3/contenttype/forms">
-  <Display>DocumentLibraryForm</Display>
-  <Edit>DocumentLibraryForm</Edit>
-  <New>DocumentLibraryForm</New>
-</FormTemplates>
-</file>
-
-<file path=customXml/item2.xml><?xml version="1.0" encoding="utf-8"?>
 <ct:contentTypeSchema xmlns:ct="http://schemas.microsoft.com/office/2006/metadata/contentType" xmlns:ma="http://schemas.microsoft.com/office/2006/metadata/properties/metaAttributes" ct:_="" ma:_="" ma:contentTypeName="Document" ma:contentTypeID="0x01010079F111ED35F8CC479449609E8A0923A6" ma:contentTypeVersion="18" ma:contentTypeDescription="Create a new document." ma:contentTypeScope="" ma:versionID="22a266b9fa9a230c5a512669d8b298c3">
   <xsd:schema xmlns:xsd="http://www.w3.org/2001/XMLSchema" xmlns:xs="http://www.w3.org/2001/XMLSchema" xmlns:p="http://schemas.microsoft.com/office/2006/metadata/properties" xmlns:ns1="http://schemas.microsoft.com/sharepoint/v3" xmlns:ns2="71af3243-3dd4-4a8d-8c0d-dd76da1f02a5" xmlns:ns3="16c05727-aa75-4e4a-9b5f-8a80a1165891" xmlns:ns4="230e9df3-be65-4c73-a93b-d1236ebd677e" targetNamespace="http://schemas.microsoft.com/office/2006/metadata/properties" ma:root="true" ma:fieldsID="eddc33fff6b14141ee5c74a0d29ea6a1" ns1:_="" ns2:_="" ns3:_="" ns4:_="">
     <xsd:import namespace="http://schemas.microsoft.com/sharepoint/v3"/>
@@ -37808,6 +37799,15 @@
 </ct:contentTypeSchema>
 </file>
 
+<file path=customXml/item2.xml><?xml version="1.0" encoding="utf-8"?>
+<?mso-contentType ?>
+<FormTemplates xmlns="http://schemas.microsoft.com/sharepoint/v3/contenttype/forms">
+  <Display>DocumentLibraryForm</Display>
+  <Edit>DocumentLibraryForm</Edit>
+  <New>DocumentLibraryForm</New>
+</FormTemplates>
+</file>
+
 <file path=customXml/item3.xml><?xml version="1.0" encoding="utf-8"?>
 <p:properties xmlns:p="http://schemas.microsoft.com/office/2006/metadata/properties" xmlns:xsi="http://www.w3.org/2001/XMLSchema-instance" xmlns:pc="http://schemas.microsoft.com/office/infopath/2007/PartnerControls">
   <documentManagement>
@@ -37828,14 +37828,6 @@
 </file>
 
 <file path=customXml/itemProps1.xml><?xml version="1.0" encoding="utf-8"?>
-<ds:datastoreItem xmlns:ds="http://schemas.openxmlformats.org/officeDocument/2006/customXml" ds:itemID="{F49FD94B-CF2B-4485-954E-6805E96E51FA}">
-  <ds:schemaRefs>
-    <ds:schemaRef ds:uri="http://schemas.microsoft.com/sharepoint/v3/contenttype/forms"/>
-  </ds:schemaRefs>
-</ds:datastoreItem>
-</file>
-
-<file path=customXml/itemProps2.xml><?xml version="1.0" encoding="utf-8"?>
 <ds:datastoreItem xmlns:ds="http://schemas.openxmlformats.org/officeDocument/2006/customXml" ds:itemID="{1E5C9C91-7BEA-497B-8B74-808BB0864508}">
   <ds:schemaRefs>
     <ds:schemaRef ds:uri="http://schemas.microsoft.com/office/2006/metadata/contentType"/>
@@ -37852,6 +37844,14 @@
     <ds:schemaRef ds:uri="http://purl.org/dc/elements/1.1/"/>
     <ds:schemaRef ds:uri="http://purl.org/dc/terms/"/>
     <ds:schemaRef ds:uri="http://schemas.microsoft.com/internal/obd"/>
+  </ds:schemaRefs>
+</ds:datastoreItem>
+</file>
+
+<file path=customXml/itemProps2.xml><?xml version="1.0" encoding="utf-8"?>
+<ds:datastoreItem xmlns:ds="http://schemas.openxmlformats.org/officeDocument/2006/customXml" ds:itemID="{F49FD94B-CF2B-4485-954E-6805E96E51FA}">
+  <ds:schemaRefs>
+    <ds:schemaRef ds:uri="http://schemas.microsoft.com/sharepoint/v3/contenttype/forms"/>
   </ds:schemaRefs>
 </ds:datastoreItem>
 </file>
